--- a/templates/ppt_template/split_presentations_244.pptx
+++ b/templates/ppt_template/split_presentations_244.pptx
@@ -800,7 +800,7 @@
           <a:graphicData uri="http://schemas.openxmlformats.org/presentationml/2006/ole">
             <mc:AlternateContent xmlns:mc="http://schemas.openxmlformats.org/markup-compatibility/2006">
               <mc:Choice xmlns:v="urn:schemas-microsoft-com:vml" Requires="v">
-                <p:oleObj spid="_x0000_s261127" name="think-cell 幻灯片" r:id="rId4" imgW="349" imgH="350" progId="TCLayout.ActiveDocument.1">
+                <p:oleObj spid="_x0000_s261136" name="think-cell 幻灯片" r:id="rId4" imgW="349" imgH="350" progId="TCLayout.ActiveDocument.1">
                   <p:embed/>
                 </p:oleObj>
               </mc:Choice>
@@ -950,7 +950,7 @@
           <a:graphicData uri="http://schemas.openxmlformats.org/presentationml/2006/ole">
             <mc:AlternateContent xmlns:mc="http://schemas.openxmlformats.org/markup-compatibility/2006">
               <mc:Choice xmlns:v="urn:schemas-microsoft-com:vml" Requires="v">
-                <p:oleObj spid="_x0000_s259079" name="think-cell 幻灯片" r:id="rId10" imgW="270" imgH="270" progId="TCLayout.ActiveDocument.1">
+                <p:oleObj spid="_x0000_s259088" name="think-cell 幻灯片" r:id="rId10" imgW="270" imgH="270" progId="TCLayout.ActiveDocument.1">
                   <p:embed/>
                 </p:oleObj>
               </mc:Choice>
@@ -3300,7 +3300,7 @@
           <a:graphicData uri="http://schemas.openxmlformats.org/presentationml/2006/ole">
             <mc:AlternateContent xmlns:mc="http://schemas.openxmlformats.org/markup-compatibility/2006">
               <mc:Choice xmlns:v="urn:schemas-microsoft-com:vml" Requires="v">
-                <p:oleObj spid="_x0000_s251911" name="think-cell 幻灯片" r:id="rId34" imgW="349" imgH="350" progId="TCLayout.ActiveDocument.1">
+                <p:oleObj spid="_x0000_s251920" name="think-cell 幻灯片" r:id="rId34" imgW="349" imgH="350" progId="TCLayout.ActiveDocument.1">
                   <p:embed/>
                 </p:oleObj>
               </mc:Choice>

--- a/templates/ppt_template/split_presentations_244.pptx
+++ b/templates/ppt_template/split_presentations_244.pptx
@@ -1,22 +1,22 @@
 
 <file path=ppt/presentation.xml><?xml version="1.0" encoding="utf-8"?>
-<p:presentation xmlns:p15="http://schemas.microsoft.com/office/powerpoint/2012/main" xmlns:a="http://schemas.openxmlformats.org/drawingml/2006/main" xmlns:r="http://schemas.openxmlformats.org/officeDocument/2006/relationships" xmlns:p="http://schemas.openxmlformats.org/presentationml/2006/main" showSpecialPlsOnTitleSld="0" removePersonalInfoOnSave="1" saveSubsetFonts="1" autoCompressPictures="0">
+<p:presentation xmlns:a="http://schemas.openxmlformats.org/drawingml/2006/main" xmlns:r="http://schemas.openxmlformats.org/officeDocument/2006/relationships" xmlns:p="http://schemas.openxmlformats.org/presentationml/2006/main" showSpecialPlsOnTitleSld="0" removePersonalInfoOnSave="1" saveSubsetFonts="1" autoCompressPictures="0">
   <p:sldMasterIdLst>
     <p:sldMasterId id="2147483692" r:id="rId3"/>
   </p:sldMasterIdLst>
   <p:notesMasterIdLst>
-    <p:notesMasterId r:id="rId254"/>
+    <p:notesMasterId r:id="rId5"/>
   </p:notesMasterIdLst>
   <p:handoutMasterIdLst>
-    <p:handoutMasterId r:id="rId255"/>
+    <p:handoutMasterId r:id="rId6"/>
   </p:handoutMasterIdLst>
   <p:sldIdLst>
-    <p:sldId id="2147473045" r:id="rId247"/>
+    <p:sldId id="2147473045" r:id="rId4"/>
   </p:sldIdLst>
   <p:sldSz cx="12192000" cy="6858000"/>
   <p:notesSz cx="6858000" cy="9144000"/>
   <p:custDataLst>
-    <p:tags r:id="rId256"/>
+    <p:tags r:id="rId7"/>
   </p:custDataLst>
   <p:defaultTextStyle>
     <a:defPPr>
@@ -232,7 +232,7 @@
           <a:p>
             <a:fld id="{887C93E6-3CAE-4165-B3AF-CD7E12F79975}" type="datetimeFigureOut">
               <a:rPr lang="en-US" smtClean="0"/>
-              <a:t>2017</a:t>
+              <a:t>Mon</a:t>
             </a:fld>
             <a:endParaRPr lang="en-US"/>
           </a:p>
@@ -677,7 +677,7 @@
 </p:notesMaster>
 </file>
 
-<file path=ppt/notesSlides/notesSlide244.xml><?xml version="1.0" encoding="utf-8"?>
+<file path=ppt/notesSlides/notesSlide1.xml><?xml version="1.0" encoding="utf-8"?>
 <p:notes xmlns:a="http://schemas.openxmlformats.org/drawingml/2006/main" xmlns:r="http://schemas.openxmlformats.org/officeDocument/2006/relationships" xmlns:p="http://schemas.openxmlformats.org/presentationml/2006/main">
   <p:cSld>
     <p:spTree>
@@ -757,7 +757,7 @@
 </p:notes>
 </file>
 
-<file path=ppt/slideLayouts/slideLayout5.xml><?xml version="1.0" encoding="utf-8"?>
+<file path=ppt/slideLayouts/slideLayout1.xml><?xml version="1.0" encoding="utf-8"?>
 <p:sldLayout xmlns:a="http://schemas.openxmlformats.org/drawingml/2006/main" xmlns:r="http://schemas.openxmlformats.org/officeDocument/2006/relationships" xmlns:p="http://schemas.openxmlformats.org/presentationml/2006/main" showMasterPhAnim="0" userDrawn="1">
   <p:cSld name="仅标题">
     <p:spTree>
@@ -800,7 +800,7 @@
           <a:graphicData uri="http://schemas.openxmlformats.org/presentationml/2006/ole">
             <mc:AlternateContent xmlns:mc="http://schemas.openxmlformats.org/markup-compatibility/2006">
               <mc:Choice xmlns:v="urn:schemas-microsoft-com:vml" Requires="v">
-                <p:oleObj spid="_x0000_s261136" name="think-cell 幻灯片" r:id="rId4" imgW="349" imgH="350" progId="TCLayout.ActiveDocument.1">
+                <p:oleObj spid="_x0000_s261138" name="think-cell 幻灯片" r:id="rId4" imgW="349" imgH="350" progId="TCLayout.ActiveDocument.1">
                   <p:embed/>
                 </p:oleObj>
               </mc:Choice>
@@ -906,7 +906,7 @@
 </file>
 
 <file path=ppt/slideMasters/slideMaster1.xml><?xml version="1.0" encoding="utf-8"?>
-<p:sldMaster xmlns:mc="http://schemas.openxmlformats.org/markup-compatibility/2006" xmlns:v="urn:schemas-microsoft-com:vml" xmlns:a16="http://schemas.microsoft.com/office/drawing/2014/main" xmlns:p14="http://schemas.microsoft.com/office/powerpoint/2010/main" xmlns:p15="http://schemas.microsoft.com/office/powerpoint/2012/main" xmlns:a="http://schemas.openxmlformats.org/drawingml/2006/main" xmlns:r="http://schemas.openxmlformats.org/officeDocument/2006/relationships" xmlns:p="http://schemas.openxmlformats.org/presentationml/2006/main" preserve="1">
+<p:sldMaster xmlns:a="http://schemas.openxmlformats.org/drawingml/2006/main" xmlns:r="http://schemas.openxmlformats.org/officeDocument/2006/relationships" xmlns:p="http://schemas.openxmlformats.org/presentationml/2006/main" preserve="1">
   <p:cSld>
     <p:bg>
       <p:bgPr>
@@ -938,7 +938,7 @@
           </p:cNvGraphicFramePr>
           <p:nvPr userDrawn="1">
             <p:custDataLst>
-              <p:tags r:id="rId9"/>
+              <p:tags r:id="rId4"/>
             </p:custDataLst>
           </p:nvPr>
         </p:nvGraphicFramePr>
@@ -950,12 +950,12 @@
           <a:graphicData uri="http://schemas.openxmlformats.org/presentationml/2006/ole">
             <mc:AlternateContent xmlns:mc="http://schemas.openxmlformats.org/markup-compatibility/2006">
               <mc:Choice xmlns:v="urn:schemas-microsoft-com:vml" Requires="v">
-                <p:oleObj spid="_x0000_s259088" name="think-cell 幻灯片" r:id="rId10" imgW="270" imgH="270" progId="TCLayout.ActiveDocument.1">
+                <p:oleObj spid="_x0000_s259090" name="think-cell 幻灯片" r:id="rId5" imgW="270" imgH="270" progId="TCLayout.ActiveDocument.1">
                   <p:embed/>
                 </p:oleObj>
               </mc:Choice>
               <mc:Fallback>
-                <p:oleObj name="think-cell 幻灯片" r:id="rId10" imgW="270" imgH="270" progId="TCLayout.ActiveDocument.1">
+                <p:oleObj name="think-cell 幻灯片" r:id="rId5" imgW="270" imgH="270" progId="TCLayout.ActiveDocument.1">
                   <p:embed/>
                   <p:pic>
                     <p:nvPicPr>
@@ -964,7 +964,7 @@
                       <p:nvPr/>
                     </p:nvPicPr>
                     <p:blipFill>
-                      <a:blip r:embed="rId11"/>
+                      <a:blip r:embed="rId6"/>
                       <a:stretch>
                         <a:fillRect/>
                       </a:stretch>
@@ -2850,7 +2850,7 @@
   </p:cSld>
   <p:clrMap bg1="lt1" tx1="dk1" bg2="lt2" tx2="dk2" accent1="accent1" accent2="accent2" accent3="accent3" accent4="accent4" accent5="accent5" accent6="accent6" hlink="hlink" folHlink="folHlink"/>
   <p:sldLayoutIdLst>
-    <p:sldLayoutId id="2147483697" r:id="rId5"/>
+    <p:sldLayoutId id="2147483697" r:id="rId1"/>
   </p:sldLayoutIdLst>
   <mc:AlternateContent xmlns:mc="http://schemas.openxmlformats.org/markup-compatibility/2006" xmlns:p14="http://schemas.microsoft.com/office/powerpoint/2010/main">
     <mc:Choice Requires="p14">
@@ -2858,7 +2858,7 @@
         <p:fade/>
       </p:transition>
     </mc:Choice>
-    <mc:Fallback>
+    <mc:Fallback xmlns:p15="http://schemas.microsoft.com/office/powerpoint/2012/main" xmlns:a16="http://schemas.microsoft.com/office/drawing/2014/main" xmlns:v="urn:schemas-microsoft-com:vml" xmlns="">
       <p:transition>
         <p:fade/>
       </p:transition>
@@ -3252,7 +3252,7 @@
 </p:sldMaster>
 </file>
 
-<file path=ppt/slides/slide244.xml><?xml version="1.0" encoding="utf-8"?>
+<file path=ppt/slides/slide1.xml><?xml version="1.0" encoding="utf-8"?>
 <p:sld xmlns:a="http://schemas.openxmlformats.org/drawingml/2006/main" xmlns:r="http://schemas.openxmlformats.org/officeDocument/2006/relationships" xmlns:p="http://schemas.openxmlformats.org/presentationml/2006/main" showMasterPhAnim="0">
   <p:cSld>
     <p:spTree>
@@ -3300,7 +3300,7 @@
           <a:graphicData uri="http://schemas.openxmlformats.org/presentationml/2006/ole">
             <mc:AlternateContent xmlns:mc="http://schemas.openxmlformats.org/markup-compatibility/2006">
               <mc:Choice xmlns:v="urn:schemas-microsoft-com:vml" Requires="v">
-                <p:oleObj spid="_x0000_s251920" name="think-cell 幻灯片" r:id="rId34" imgW="349" imgH="350" progId="TCLayout.ActiveDocument.1">
+                <p:oleObj spid="_x0000_s251922" name="think-cell 幻灯片" r:id="rId34" imgW="349" imgH="350" progId="TCLayout.ActiveDocument.1">
                   <p:embed/>
                 </p:oleObj>
               </mc:Choice>
@@ -3509,12 +3509,19 @@
           <a:lstStyle/>
           <a:p>
             <a:r>
-              <a:rPr lang="en-US" noProof="0">
+              <a:rPr lang="en-US" noProof="0" dirty="0">
+                <a:latin typeface="理想品牌字体 2022" panose="02000500000000000000" pitchFamily="50" charset="-122"/>
+                <a:ea typeface="理想品牌字体 2022" panose="02000500000000000000" pitchFamily="50" charset="-122"/>
+                <a:cs typeface="理想品牌字体 2022" panose="02000500000000000000" pitchFamily="50" charset="-122"/>
                 <a:sym typeface="Futura"/>
               </a:rPr>
-              <a:t>Weekly dashboard calendar</a:t>
+              <a:t>{title}</a:t>
             </a:r>
-            <a:endParaRPr lang="en-US"/>
+            <a:endParaRPr lang="en-US" dirty="0">
+              <a:latin typeface="理想品牌字体 2022" panose="02000500000000000000" pitchFamily="50" charset="-122"/>
+              <a:ea typeface="理想品牌字体 2022" panose="02000500000000000000" pitchFamily="50" charset="-122"/>
+              <a:cs typeface="理想品牌字体 2022" panose="02000500000000000000" pitchFamily="50" charset="-122"/>
+            </a:endParaRPr>
           </a:p>
         </p:txBody>
       </p:sp>
@@ -3848,7 +3855,7 @@
               <a:defRPr/>
             </a:pPr>
             <a:r>
-              <a:rPr kumimoji="0" lang="en-US" sz="2000" i="0" u="none" strike="noStrike" kern="1200" cap="none" spc="0" normalizeH="0" baseline="0" noProof="0">
+              <a:rPr kumimoji="0" lang="en-US" sz="2000" i="0" u="none" strike="noStrike" kern="1200" cap="none" spc="0" normalizeH="0" baseline="0" noProof="0" dirty="0">
                 <a:ln>
                   <a:noFill/>
                 </a:ln>
@@ -3858,45 +3865,11 @@
                 <a:effectLst/>
                 <a:uLnTx/>
                 <a:uFillTx/>
-                <a:latin typeface="+mn-lt"/>
-                <a:ea typeface="+mn-ea"/>
-                <a:cs typeface="Arial" panose="020B0604020202020204" pitchFamily="34" charset="0"/>
+                <a:latin typeface="理想品牌字体 2022" panose="02000500000000000000" pitchFamily="50" charset="-122"/>
+                <a:ea typeface="理想品牌字体 2022" panose="02000500000000000000" pitchFamily="50" charset="-122"/>
+                <a:cs typeface="理想品牌字体 2022" panose="02000500000000000000" pitchFamily="50" charset="-122"/>
               </a:rPr>
-              <a:t>Lorem ipsum dolor sit </a:t>
-            </a:r>
-            <a:r>
-              <a:rPr kumimoji="0" lang="en-US" sz="2000" i="0" u="none" strike="noStrike" kern="1200" cap="none" spc="0" normalizeH="0" baseline="0" noProof="0" err="1">
-                <a:ln>
-                  <a:noFill/>
-                </a:ln>
-                <a:solidFill>
-                  <a:schemeClr val="tx2"/>
-                </a:solidFill>
-                <a:effectLst/>
-                <a:uLnTx/>
-                <a:uFillTx/>
-                <a:latin typeface="+mn-lt"/>
-                <a:ea typeface="+mn-ea"/>
-                <a:cs typeface="Arial" panose="020B0604020202020204" pitchFamily="34" charset="0"/>
-              </a:rPr>
-              <a:t>amet</a:t>
-            </a:r>
-            <a:r>
-              <a:rPr kumimoji="0" lang="en-US" sz="2000" i="0" u="none" strike="noStrike" kern="1200" cap="none" spc="0" normalizeH="0" baseline="0" noProof="0">
-                <a:ln>
-                  <a:noFill/>
-                </a:ln>
-                <a:solidFill>
-                  <a:schemeClr val="tx2"/>
-                </a:solidFill>
-                <a:effectLst/>
-                <a:uLnTx/>
-                <a:uFillTx/>
-                <a:latin typeface="+mn-lt"/>
-                <a:ea typeface="+mn-ea"/>
-                <a:cs typeface="Arial" panose="020B0604020202020204" pitchFamily="34" charset="0"/>
-              </a:rPr>
-              <a:t> </a:t>
+              <a:t>{bullet_1}</a:t>
             </a:r>
           </a:p>
           <a:p>
@@ -3920,7 +3893,7 @@
               <a:defRPr/>
             </a:pPr>
             <a:r>
-              <a:rPr kumimoji="0" lang="en-US" sz="1200" b="0" i="0" u="none" strike="noStrike" kern="1200" cap="none" spc="0" normalizeH="0" baseline="0" noProof="0">
+              <a:rPr kumimoji="0" lang="en-US" sz="1200" b="0" i="0" u="none" strike="noStrike" kern="1200" cap="none" spc="0" normalizeH="0" baseline="0" noProof="0" dirty="0">
                 <a:ln>
                   <a:noFill/>
                 </a:ln>
@@ -3930,79 +3903,11 @@
                 <a:effectLst/>
                 <a:uLnTx/>
                 <a:uFillTx/>
-                <a:latin typeface="+mn-lt"/>
-                <a:ea typeface="+mn-ea"/>
-                <a:cs typeface="Arial" panose="020B0604020202020204" pitchFamily="34" charset="0"/>
+                <a:latin typeface="理想品牌字体 2022" panose="02000500000000000000" pitchFamily="50" charset="-122"/>
+                <a:ea typeface="理想品牌字体 2022" panose="02000500000000000000" pitchFamily="50" charset="-122"/>
+                <a:cs typeface="理想品牌字体 2022" panose="02000500000000000000" pitchFamily="50" charset="-122"/>
               </a:rPr>
-              <a:t>Lorem ipsum dolor sit </a:t>
-            </a:r>
-            <a:r>
-              <a:rPr kumimoji="0" lang="en-US" sz="1200" b="0" i="0" u="none" strike="noStrike" kern="1200" cap="none" spc="0" normalizeH="0" baseline="0" noProof="0" err="1">
-                <a:ln>
-                  <a:noFill/>
-                </a:ln>
-                <a:solidFill>
-                  <a:schemeClr val="tx1"/>
-                </a:solidFill>
-                <a:effectLst/>
-                <a:uLnTx/>
-                <a:uFillTx/>
-                <a:latin typeface="+mn-lt"/>
-                <a:ea typeface="+mn-ea"/>
-                <a:cs typeface="Arial" panose="020B0604020202020204" pitchFamily="34" charset="0"/>
-              </a:rPr>
-              <a:t>amet</a:t>
-            </a:r>
-            <a:r>
-              <a:rPr kumimoji="0" lang="en-US" sz="1200" b="0" i="0" u="none" strike="noStrike" kern="1200" cap="none" spc="0" normalizeH="0" baseline="0" noProof="0">
-                <a:ln>
-                  <a:noFill/>
-                </a:ln>
-                <a:solidFill>
-                  <a:schemeClr val="tx1"/>
-                </a:solidFill>
-                <a:effectLst/>
-                <a:uLnTx/>
-                <a:uFillTx/>
-                <a:latin typeface="+mn-lt"/>
-                <a:ea typeface="+mn-ea"/>
-                <a:cs typeface="Arial" panose="020B0604020202020204" pitchFamily="34" charset="0"/>
-              </a:rPr>
-              <a:t>, </a:t>
-            </a:r>
-            <a:r>
-              <a:rPr kumimoji="0" lang="en-US" sz="1200" b="0" i="0" u="none" strike="noStrike" kern="1200" cap="none" spc="0" normalizeH="0" baseline="0" noProof="0" err="1">
-                <a:ln>
-                  <a:noFill/>
-                </a:ln>
-                <a:solidFill>
-                  <a:schemeClr val="tx1"/>
-                </a:solidFill>
-                <a:effectLst/>
-                <a:uLnTx/>
-                <a:uFillTx/>
-                <a:latin typeface="+mn-lt"/>
-                <a:ea typeface="+mn-ea"/>
-                <a:cs typeface="Arial" panose="020B0604020202020204" pitchFamily="34" charset="0"/>
-              </a:rPr>
-              <a:t>consectetur</a:t>
-            </a:r>
-            <a:r>
-              <a:rPr kumimoji="0" lang="en-US" sz="1200" b="0" i="0" u="none" strike="noStrike" kern="1200" cap="none" spc="0" normalizeH="0" baseline="0" noProof="0">
-                <a:ln>
-                  <a:noFill/>
-                </a:ln>
-                <a:solidFill>
-                  <a:schemeClr val="tx1"/>
-                </a:solidFill>
-                <a:effectLst/>
-                <a:uLnTx/>
-                <a:uFillTx/>
-                <a:latin typeface="+mn-lt"/>
-                <a:ea typeface="+mn-ea"/>
-                <a:cs typeface="Arial" panose="020B0604020202020204" pitchFamily="34" charset="0"/>
-              </a:rPr>
-              <a:t> </a:t>
+              <a:t>{bullet_1_content}</a:t>
             </a:r>
           </a:p>
         </p:txBody>
@@ -4337,7 +4242,7 @@
               <a:defRPr/>
             </a:pPr>
             <a:r>
-              <a:rPr kumimoji="0" lang="en-US" sz="2000" b="0" i="0" u="none" strike="noStrike" kern="1200" cap="none" spc="0" normalizeH="0" baseline="0" noProof="0">
+              <a:rPr kumimoji="0" lang="en-US" sz="2000" b="0" i="0" u="none" strike="noStrike" kern="1200" cap="none" spc="0" normalizeH="0" baseline="0" noProof="0" dirty="0">
                 <a:ln>
                   <a:noFill/>
                 </a:ln>
@@ -4347,45 +4252,11 @@
                 <a:effectLst/>
                 <a:uLnTx/>
                 <a:uFillTx/>
-                <a:latin typeface="+mn-lt"/>
-                <a:ea typeface="+mn-ea"/>
-                <a:cs typeface="Arial" panose="020B0604020202020204" pitchFamily="34" charset="0"/>
+                <a:latin typeface="理想品牌字体 2022" panose="02000500000000000000" pitchFamily="50" charset="-122"/>
+                <a:ea typeface="理想品牌字体 2022" panose="02000500000000000000" pitchFamily="50" charset="-122"/>
+                <a:cs typeface="理想品牌字体 2022" panose="02000500000000000000" pitchFamily="50" charset="-122"/>
               </a:rPr>
-              <a:t>Lorem ipsum dolor sit </a:t>
-            </a:r>
-            <a:r>
-              <a:rPr kumimoji="0" lang="en-US" sz="2000" b="0" i="0" u="none" strike="noStrike" kern="1200" cap="none" spc="0" normalizeH="0" baseline="0" noProof="0" err="1">
-                <a:ln>
-                  <a:noFill/>
-                </a:ln>
-                <a:solidFill>
-                  <a:schemeClr val="tx2"/>
-                </a:solidFill>
-                <a:effectLst/>
-                <a:uLnTx/>
-                <a:uFillTx/>
-                <a:latin typeface="+mn-lt"/>
-                <a:ea typeface="+mn-ea"/>
-                <a:cs typeface="Arial" panose="020B0604020202020204" pitchFamily="34" charset="0"/>
-              </a:rPr>
-              <a:t>amet</a:t>
-            </a:r>
-            <a:r>
-              <a:rPr kumimoji="0" lang="en-US" sz="2000" b="0" i="0" u="none" strike="noStrike" kern="1200" cap="none" spc="0" normalizeH="0" baseline="0" noProof="0">
-                <a:ln>
-                  <a:noFill/>
-                </a:ln>
-                <a:solidFill>
-                  <a:schemeClr val="tx2"/>
-                </a:solidFill>
-                <a:effectLst/>
-                <a:uLnTx/>
-                <a:uFillTx/>
-                <a:latin typeface="+mn-lt"/>
-                <a:ea typeface="+mn-ea"/>
-                <a:cs typeface="Arial" panose="020B0604020202020204" pitchFamily="34" charset="0"/>
-              </a:rPr>
-              <a:t> </a:t>
+              <a:t>{bullet_2}</a:t>
             </a:r>
           </a:p>
           <a:p>
@@ -4409,7 +4280,7 @@
               <a:defRPr/>
             </a:pPr>
             <a:r>
-              <a:rPr kumimoji="0" lang="en-US" sz="1200" b="0" i="0" u="none" strike="noStrike" kern="1200" cap="none" spc="0" normalizeH="0" baseline="0" noProof="0">
+              <a:rPr kumimoji="0" lang="en-US" sz="1200" b="0" i="0" u="none" strike="noStrike" kern="1200" cap="none" spc="0" normalizeH="0" baseline="0" noProof="0" dirty="0">
                 <a:ln>
                   <a:noFill/>
                 </a:ln>
@@ -4419,79 +4290,11 @@
                 <a:effectLst/>
                 <a:uLnTx/>
                 <a:uFillTx/>
-                <a:latin typeface="+mn-lt"/>
-                <a:ea typeface="+mn-ea"/>
-                <a:cs typeface="Arial" panose="020B0604020202020204" pitchFamily="34" charset="0"/>
+                <a:latin typeface="理想品牌字体 2022" panose="02000500000000000000" pitchFamily="50" charset="-122"/>
+                <a:ea typeface="理想品牌字体 2022" panose="02000500000000000000" pitchFamily="50" charset="-122"/>
+                <a:cs typeface="理想品牌字体 2022" panose="02000500000000000000" pitchFamily="50" charset="-122"/>
               </a:rPr>
-              <a:t>Lorem ipsum dolor sit </a:t>
-            </a:r>
-            <a:r>
-              <a:rPr kumimoji="0" lang="en-US" sz="1200" b="0" i="0" u="none" strike="noStrike" kern="1200" cap="none" spc="0" normalizeH="0" baseline="0" noProof="0" err="1">
-                <a:ln>
-                  <a:noFill/>
-                </a:ln>
-                <a:solidFill>
-                  <a:schemeClr val="tx1"/>
-                </a:solidFill>
-                <a:effectLst/>
-                <a:uLnTx/>
-                <a:uFillTx/>
-                <a:latin typeface="+mn-lt"/>
-                <a:ea typeface="+mn-ea"/>
-                <a:cs typeface="Arial" panose="020B0604020202020204" pitchFamily="34" charset="0"/>
-              </a:rPr>
-              <a:t>amet</a:t>
-            </a:r>
-            <a:r>
-              <a:rPr kumimoji="0" lang="en-US" sz="1200" b="0" i="0" u="none" strike="noStrike" kern="1200" cap="none" spc="0" normalizeH="0" baseline="0" noProof="0">
-                <a:ln>
-                  <a:noFill/>
-                </a:ln>
-                <a:solidFill>
-                  <a:schemeClr val="tx1"/>
-                </a:solidFill>
-                <a:effectLst/>
-                <a:uLnTx/>
-                <a:uFillTx/>
-                <a:latin typeface="+mn-lt"/>
-                <a:ea typeface="+mn-ea"/>
-                <a:cs typeface="Arial" panose="020B0604020202020204" pitchFamily="34" charset="0"/>
-              </a:rPr>
-              <a:t>, </a:t>
-            </a:r>
-            <a:r>
-              <a:rPr kumimoji="0" lang="en-US" sz="1200" b="0" i="0" u="none" strike="noStrike" kern="1200" cap="none" spc="0" normalizeH="0" baseline="0" noProof="0" err="1">
-                <a:ln>
-                  <a:noFill/>
-                </a:ln>
-                <a:solidFill>
-                  <a:schemeClr val="tx1"/>
-                </a:solidFill>
-                <a:effectLst/>
-                <a:uLnTx/>
-                <a:uFillTx/>
-                <a:latin typeface="+mn-lt"/>
-                <a:ea typeface="+mn-ea"/>
-                <a:cs typeface="Arial" panose="020B0604020202020204" pitchFamily="34" charset="0"/>
-              </a:rPr>
-              <a:t>consectetur</a:t>
-            </a:r>
-            <a:r>
-              <a:rPr kumimoji="0" lang="en-US" sz="1200" b="0" i="0" u="none" strike="noStrike" kern="1200" cap="none" spc="0" normalizeH="0" baseline="0" noProof="0">
-                <a:ln>
-                  <a:noFill/>
-                </a:ln>
-                <a:solidFill>
-                  <a:schemeClr val="tx1"/>
-                </a:solidFill>
-                <a:effectLst/>
-                <a:uLnTx/>
-                <a:uFillTx/>
-                <a:latin typeface="+mn-lt"/>
-                <a:ea typeface="+mn-ea"/>
-                <a:cs typeface="Arial" panose="020B0604020202020204" pitchFamily="34" charset="0"/>
-              </a:rPr>
-              <a:t> </a:t>
+              <a:t>{bullet_2_content}</a:t>
             </a:r>
           </a:p>
         </p:txBody>
@@ -4826,7 +4629,7 @@
               <a:defRPr/>
             </a:pPr>
             <a:r>
-              <a:rPr kumimoji="0" lang="en-US" sz="2000" b="0" i="0" u="none" strike="noStrike" kern="1200" cap="none" spc="0" normalizeH="0" baseline="0" noProof="0">
+              <a:rPr kumimoji="0" lang="en-US" sz="2000" b="0" i="0" u="none" strike="noStrike" kern="1200" cap="none" spc="0" normalizeH="0" baseline="0" noProof="0" dirty="0">
                 <a:ln>
                   <a:noFill/>
                 </a:ln>
@@ -4836,45 +4639,11 @@
                 <a:effectLst/>
                 <a:uLnTx/>
                 <a:uFillTx/>
-                <a:latin typeface="+mn-lt"/>
-                <a:ea typeface="+mn-ea"/>
-                <a:cs typeface="Arial" panose="020B0604020202020204" pitchFamily="34" charset="0"/>
+                <a:latin typeface="理想品牌字体 2022" panose="02000500000000000000" pitchFamily="50" charset="-122"/>
+                <a:ea typeface="理想品牌字体 2022" panose="02000500000000000000" pitchFamily="50" charset="-122"/>
+                <a:cs typeface="理想品牌字体 2022" panose="02000500000000000000" pitchFamily="50" charset="-122"/>
               </a:rPr>
-              <a:t>Lorem ipsum dolor sit </a:t>
-            </a:r>
-            <a:r>
-              <a:rPr kumimoji="0" lang="en-US" sz="2000" b="0" i="0" u="none" strike="noStrike" kern="1200" cap="none" spc="0" normalizeH="0" baseline="0" noProof="0" err="1">
-                <a:ln>
-                  <a:noFill/>
-                </a:ln>
-                <a:solidFill>
-                  <a:schemeClr val="tx2"/>
-                </a:solidFill>
-                <a:effectLst/>
-                <a:uLnTx/>
-                <a:uFillTx/>
-                <a:latin typeface="+mn-lt"/>
-                <a:ea typeface="+mn-ea"/>
-                <a:cs typeface="Arial" panose="020B0604020202020204" pitchFamily="34" charset="0"/>
-              </a:rPr>
-              <a:t>amet</a:t>
-            </a:r>
-            <a:r>
-              <a:rPr kumimoji="0" lang="en-US" sz="2000" b="0" i="0" u="none" strike="noStrike" kern="1200" cap="none" spc="0" normalizeH="0" baseline="0" noProof="0">
-                <a:ln>
-                  <a:noFill/>
-                </a:ln>
-                <a:solidFill>
-                  <a:schemeClr val="tx2"/>
-                </a:solidFill>
-                <a:effectLst/>
-                <a:uLnTx/>
-                <a:uFillTx/>
-                <a:latin typeface="+mn-lt"/>
-                <a:ea typeface="+mn-ea"/>
-                <a:cs typeface="Arial" panose="020B0604020202020204" pitchFamily="34" charset="0"/>
-              </a:rPr>
-              <a:t> </a:t>
+              <a:t>{bullet_3}</a:t>
             </a:r>
           </a:p>
           <a:p>
@@ -4898,7 +4667,7 @@
               <a:defRPr/>
             </a:pPr>
             <a:r>
-              <a:rPr kumimoji="0" lang="en-US" sz="1200" b="0" i="0" u="none" strike="noStrike" kern="1200" cap="none" spc="0" normalizeH="0" baseline="0" noProof="0">
+              <a:rPr kumimoji="0" lang="en-US" sz="1200" b="0" i="0" u="none" strike="noStrike" kern="1200" cap="none" spc="0" normalizeH="0" baseline="0" noProof="0" dirty="0">
                 <a:ln>
                   <a:noFill/>
                 </a:ln>
@@ -4908,79 +4677,11 @@
                 <a:effectLst/>
                 <a:uLnTx/>
                 <a:uFillTx/>
-                <a:latin typeface="+mn-lt"/>
-                <a:ea typeface="+mn-ea"/>
-                <a:cs typeface="Arial" panose="020B0604020202020204" pitchFamily="34" charset="0"/>
+                <a:latin typeface="理想品牌字体 2022" panose="02000500000000000000" pitchFamily="50" charset="-122"/>
+                <a:ea typeface="理想品牌字体 2022" panose="02000500000000000000" pitchFamily="50" charset="-122"/>
+                <a:cs typeface="理想品牌字体 2022" panose="02000500000000000000" pitchFamily="50" charset="-122"/>
               </a:rPr>
-              <a:t>Lorem ipsum dolor sit </a:t>
-            </a:r>
-            <a:r>
-              <a:rPr kumimoji="0" lang="en-US" sz="1200" b="0" i="0" u="none" strike="noStrike" kern="1200" cap="none" spc="0" normalizeH="0" baseline="0" noProof="0" err="1">
-                <a:ln>
-                  <a:noFill/>
-                </a:ln>
-                <a:solidFill>
-                  <a:schemeClr val="tx1"/>
-                </a:solidFill>
-                <a:effectLst/>
-                <a:uLnTx/>
-                <a:uFillTx/>
-                <a:latin typeface="+mn-lt"/>
-                <a:ea typeface="+mn-ea"/>
-                <a:cs typeface="Arial" panose="020B0604020202020204" pitchFamily="34" charset="0"/>
-              </a:rPr>
-              <a:t>amet</a:t>
-            </a:r>
-            <a:r>
-              <a:rPr kumimoji="0" lang="en-US" sz="1200" b="0" i="0" u="none" strike="noStrike" kern="1200" cap="none" spc="0" normalizeH="0" baseline="0" noProof="0">
-                <a:ln>
-                  <a:noFill/>
-                </a:ln>
-                <a:solidFill>
-                  <a:schemeClr val="tx1"/>
-                </a:solidFill>
-                <a:effectLst/>
-                <a:uLnTx/>
-                <a:uFillTx/>
-                <a:latin typeface="+mn-lt"/>
-                <a:ea typeface="+mn-ea"/>
-                <a:cs typeface="Arial" panose="020B0604020202020204" pitchFamily="34" charset="0"/>
-              </a:rPr>
-              <a:t>, </a:t>
-            </a:r>
-            <a:r>
-              <a:rPr kumimoji="0" lang="en-US" sz="1200" b="0" i="0" u="none" strike="noStrike" kern="1200" cap="none" spc="0" normalizeH="0" baseline="0" noProof="0" err="1">
-                <a:ln>
-                  <a:noFill/>
-                </a:ln>
-                <a:solidFill>
-                  <a:schemeClr val="tx1"/>
-                </a:solidFill>
-                <a:effectLst/>
-                <a:uLnTx/>
-                <a:uFillTx/>
-                <a:latin typeface="+mn-lt"/>
-                <a:ea typeface="+mn-ea"/>
-                <a:cs typeface="Arial" panose="020B0604020202020204" pitchFamily="34" charset="0"/>
-              </a:rPr>
-              <a:t>consectetur</a:t>
-            </a:r>
-            <a:r>
-              <a:rPr kumimoji="0" lang="en-US" sz="1200" b="0" i="0" u="none" strike="noStrike" kern="1200" cap="none" spc="0" normalizeH="0" baseline="0" noProof="0">
-                <a:ln>
-                  <a:noFill/>
-                </a:ln>
-                <a:solidFill>
-                  <a:schemeClr val="tx1"/>
-                </a:solidFill>
-                <a:effectLst/>
-                <a:uLnTx/>
-                <a:uFillTx/>
-                <a:latin typeface="+mn-lt"/>
-                <a:ea typeface="+mn-ea"/>
-                <a:cs typeface="Arial" panose="020B0604020202020204" pitchFamily="34" charset="0"/>
-              </a:rPr>
-              <a:t> </a:t>
+              <a:t>{bullet_3_content}</a:t>
             </a:r>
           </a:p>
         </p:txBody>
@@ -5315,7 +5016,7 @@
               <a:defRPr/>
             </a:pPr>
             <a:r>
-              <a:rPr kumimoji="0" lang="en-US" sz="2000" b="0" i="0" u="none" strike="noStrike" kern="1200" cap="none" spc="0" normalizeH="0" baseline="0" noProof="0">
+              <a:rPr kumimoji="0" lang="en-US" sz="2000" b="0" i="0" u="none" strike="noStrike" kern="1200" cap="none" spc="0" normalizeH="0" baseline="0" noProof="0" dirty="0">
                 <a:ln>
                   <a:noFill/>
                 </a:ln>
@@ -5325,45 +5026,11 @@
                 <a:effectLst/>
                 <a:uLnTx/>
                 <a:uFillTx/>
-                <a:latin typeface="+mn-lt"/>
-                <a:ea typeface="+mn-ea"/>
-                <a:cs typeface="Arial" panose="020B0604020202020204" pitchFamily="34" charset="0"/>
+                <a:latin typeface="理想品牌字体 2022" panose="02000500000000000000" pitchFamily="50" charset="-122"/>
+                <a:ea typeface="理想品牌字体 2022" panose="02000500000000000000" pitchFamily="50" charset="-122"/>
+                <a:cs typeface="理想品牌字体 2022" panose="02000500000000000000" pitchFamily="50" charset="-122"/>
               </a:rPr>
-              <a:t>Lorem ipsum dolor sit </a:t>
-            </a:r>
-            <a:r>
-              <a:rPr kumimoji="0" lang="en-US" sz="2000" b="0" i="0" u="none" strike="noStrike" kern="1200" cap="none" spc="0" normalizeH="0" baseline="0" noProof="0" err="1">
-                <a:ln>
-                  <a:noFill/>
-                </a:ln>
-                <a:solidFill>
-                  <a:schemeClr val="tx2"/>
-                </a:solidFill>
-                <a:effectLst/>
-                <a:uLnTx/>
-                <a:uFillTx/>
-                <a:latin typeface="+mn-lt"/>
-                <a:ea typeface="+mn-ea"/>
-                <a:cs typeface="Arial" panose="020B0604020202020204" pitchFamily="34" charset="0"/>
-              </a:rPr>
-              <a:t>amet</a:t>
-            </a:r>
-            <a:r>
-              <a:rPr kumimoji="0" lang="en-US" sz="2000" b="0" i="0" u="none" strike="noStrike" kern="1200" cap="none" spc="0" normalizeH="0" baseline="0" noProof="0">
-                <a:ln>
-                  <a:noFill/>
-                </a:ln>
-                <a:solidFill>
-                  <a:schemeClr val="tx2"/>
-                </a:solidFill>
-                <a:effectLst/>
-                <a:uLnTx/>
-                <a:uFillTx/>
-                <a:latin typeface="+mn-lt"/>
-                <a:ea typeface="+mn-ea"/>
-                <a:cs typeface="Arial" panose="020B0604020202020204" pitchFamily="34" charset="0"/>
-              </a:rPr>
-              <a:t> </a:t>
+              <a:t>{bullet_4}</a:t>
             </a:r>
           </a:p>
           <a:p>
@@ -5387,7 +5054,7 @@
               <a:defRPr/>
             </a:pPr>
             <a:r>
-              <a:rPr kumimoji="0" lang="en-US" sz="1200" b="0" i="0" u="none" strike="noStrike" kern="1200" cap="none" spc="0" normalizeH="0" baseline="0" noProof="0">
+              <a:rPr kumimoji="0" lang="en-US" sz="1200" b="0" i="0" u="none" strike="noStrike" kern="1200" cap="none" spc="0" normalizeH="0" baseline="0" noProof="0" dirty="0">
                 <a:ln>
                   <a:noFill/>
                 </a:ln>
@@ -5397,79 +5064,11 @@
                 <a:effectLst/>
                 <a:uLnTx/>
                 <a:uFillTx/>
-                <a:latin typeface="+mn-lt"/>
-                <a:ea typeface="+mn-ea"/>
-                <a:cs typeface="Arial" panose="020B0604020202020204" pitchFamily="34" charset="0"/>
+                <a:latin typeface="理想品牌字体 2022" panose="02000500000000000000" pitchFamily="50" charset="-122"/>
+                <a:ea typeface="理想品牌字体 2022" panose="02000500000000000000" pitchFamily="50" charset="-122"/>
+                <a:cs typeface="理想品牌字体 2022" panose="02000500000000000000" pitchFamily="50" charset="-122"/>
               </a:rPr>
-              <a:t>Lorem ipsum dolor sit </a:t>
-            </a:r>
-            <a:r>
-              <a:rPr kumimoji="0" lang="en-US" sz="1200" b="0" i="0" u="none" strike="noStrike" kern="1200" cap="none" spc="0" normalizeH="0" baseline="0" noProof="0" err="1">
-                <a:ln>
-                  <a:noFill/>
-                </a:ln>
-                <a:solidFill>
-                  <a:schemeClr val="tx1"/>
-                </a:solidFill>
-                <a:effectLst/>
-                <a:uLnTx/>
-                <a:uFillTx/>
-                <a:latin typeface="+mn-lt"/>
-                <a:ea typeface="+mn-ea"/>
-                <a:cs typeface="Arial" panose="020B0604020202020204" pitchFamily="34" charset="0"/>
-              </a:rPr>
-              <a:t>amet</a:t>
-            </a:r>
-            <a:r>
-              <a:rPr kumimoji="0" lang="en-US" sz="1200" b="0" i="0" u="none" strike="noStrike" kern="1200" cap="none" spc="0" normalizeH="0" baseline="0" noProof="0">
-                <a:ln>
-                  <a:noFill/>
-                </a:ln>
-                <a:solidFill>
-                  <a:schemeClr val="tx1"/>
-                </a:solidFill>
-                <a:effectLst/>
-                <a:uLnTx/>
-                <a:uFillTx/>
-                <a:latin typeface="+mn-lt"/>
-                <a:ea typeface="+mn-ea"/>
-                <a:cs typeface="Arial" panose="020B0604020202020204" pitchFamily="34" charset="0"/>
-              </a:rPr>
-              <a:t>, </a:t>
-            </a:r>
-            <a:r>
-              <a:rPr kumimoji="0" lang="en-US" sz="1200" b="0" i="0" u="none" strike="noStrike" kern="1200" cap="none" spc="0" normalizeH="0" baseline="0" noProof="0" err="1">
-                <a:ln>
-                  <a:noFill/>
-                </a:ln>
-                <a:solidFill>
-                  <a:schemeClr val="tx1"/>
-                </a:solidFill>
-                <a:effectLst/>
-                <a:uLnTx/>
-                <a:uFillTx/>
-                <a:latin typeface="+mn-lt"/>
-                <a:ea typeface="+mn-ea"/>
-                <a:cs typeface="Arial" panose="020B0604020202020204" pitchFamily="34" charset="0"/>
-              </a:rPr>
-              <a:t>consectetur</a:t>
-            </a:r>
-            <a:r>
-              <a:rPr kumimoji="0" lang="en-US" sz="1200" b="0" i="0" u="none" strike="noStrike" kern="1200" cap="none" spc="0" normalizeH="0" baseline="0" noProof="0">
-                <a:ln>
-                  <a:noFill/>
-                </a:ln>
-                <a:solidFill>
-                  <a:schemeClr val="tx1"/>
-                </a:solidFill>
-                <a:effectLst/>
-                <a:uLnTx/>
-                <a:uFillTx/>
-                <a:latin typeface="+mn-lt"/>
-                <a:ea typeface="+mn-ea"/>
-                <a:cs typeface="Arial" panose="020B0604020202020204" pitchFamily="34" charset="0"/>
-              </a:rPr>
-              <a:t> </a:t>
+              <a:t>{bullet_4_content}</a:t>
             </a:r>
           </a:p>
         </p:txBody>
@@ -10279,187 +9878,157 @@
 </p:tagLst>
 </file>
 
+<file path=ppt/tags/tag10.xml><?xml version="1.0" encoding="utf-8"?>
+<p:tagLst xmlns:a="http://schemas.openxmlformats.org/drawingml/2006/main" xmlns:r="http://schemas.openxmlformats.org/officeDocument/2006/relationships" xmlns:p="http://schemas.openxmlformats.org/presentationml/2006/main">
+  <p:tag name="THINKCELLSHAPEDONOTDELETE" val="tlS3EQUYPuwaeHBdu3uHrOw"/>
+</p:tagLst>
+</file>
+
+<file path=ppt/tags/tag11.xml><?xml version="1.0" encoding="utf-8"?>
+<p:tagLst xmlns:a="http://schemas.openxmlformats.org/drawingml/2006/main" xmlns:r="http://schemas.openxmlformats.org/officeDocument/2006/relationships" xmlns:p="http://schemas.openxmlformats.org/presentationml/2006/main">
+  <p:tag name="THINKCELLSHAPEDONOTDELETE" val="tiT3Hgxw4sYef1kuE48OIDQ"/>
+</p:tagLst>
+</file>
+
+<file path=ppt/tags/tag12.xml><?xml version="1.0" encoding="utf-8"?>
+<p:tagLst xmlns:a="http://schemas.openxmlformats.org/drawingml/2006/main" xmlns:r="http://schemas.openxmlformats.org/officeDocument/2006/relationships" xmlns:p="http://schemas.openxmlformats.org/presentationml/2006/main">
+  <p:tag name="THINKCELLSHAPEDONOTDELETE" val="t0fayLo4OidFHvbSkpnMu4w"/>
+</p:tagLst>
+</file>
+
+<file path=ppt/tags/tag13.xml><?xml version="1.0" encoding="utf-8"?>
+<p:tagLst xmlns:a="http://schemas.openxmlformats.org/drawingml/2006/main" xmlns:r="http://schemas.openxmlformats.org/officeDocument/2006/relationships" xmlns:p="http://schemas.openxmlformats.org/presentationml/2006/main">
+  <p:tag name="THINKCELLSHAPEDONOTDELETE" val="tuJZa5e22N1.lYgrEwt1VAg"/>
+</p:tagLst>
+</file>
+
+<file path=ppt/tags/tag14.xml><?xml version="1.0" encoding="utf-8"?>
+<p:tagLst xmlns:a="http://schemas.openxmlformats.org/drawingml/2006/main" xmlns:r="http://schemas.openxmlformats.org/officeDocument/2006/relationships" xmlns:p="http://schemas.openxmlformats.org/presentationml/2006/main">
+  <p:tag name="THINKCELLSHAPEDONOTDELETE" val="tBs9rYb86FtumcFu9cqPF8A"/>
+</p:tagLst>
+</file>
+
+<file path=ppt/tags/tag15.xml><?xml version="1.0" encoding="utf-8"?>
+<p:tagLst xmlns:a="http://schemas.openxmlformats.org/drawingml/2006/main" xmlns:r="http://schemas.openxmlformats.org/officeDocument/2006/relationships" xmlns:p="http://schemas.openxmlformats.org/presentationml/2006/main">
+  <p:tag name="THINKCELLSHAPEDONOTDELETE" val="teJ9Sx53K01v0M9P8mHjFPg"/>
+</p:tagLst>
+</file>
+
+<file path=ppt/tags/tag16.xml><?xml version="1.0" encoding="utf-8"?>
+<p:tagLst xmlns:a="http://schemas.openxmlformats.org/drawingml/2006/main" xmlns:r="http://schemas.openxmlformats.org/officeDocument/2006/relationships" xmlns:p="http://schemas.openxmlformats.org/presentationml/2006/main">
+  <p:tag name="THINKCELLSHAPEDONOTDELETE" val="tYOCln7qjBVNRBTCa0bsbKw"/>
+</p:tagLst>
+</file>
+
+<file path=ppt/tags/tag17.xml><?xml version="1.0" encoding="utf-8"?>
+<p:tagLst xmlns:a="http://schemas.openxmlformats.org/drawingml/2006/main" xmlns:r="http://schemas.openxmlformats.org/officeDocument/2006/relationships" xmlns:p="http://schemas.openxmlformats.org/presentationml/2006/main">
+  <p:tag name="THINKCELLSHAPEDONOTDELETE" val="tJBCucYXsxLNjJpGMv7JXRA"/>
+</p:tagLst>
+</file>
+
+<file path=ppt/tags/tag18.xml><?xml version="1.0" encoding="utf-8"?>
+<p:tagLst xmlns:a="http://schemas.openxmlformats.org/drawingml/2006/main" xmlns:r="http://schemas.openxmlformats.org/officeDocument/2006/relationships" xmlns:p="http://schemas.openxmlformats.org/presentationml/2006/main">
+  <p:tag name="THINKCELLSHAPEDONOTDELETE" val="t7n8x1WkL9W1ghGa_m0taRQ"/>
+</p:tagLst>
+</file>
+
+<file path=ppt/tags/tag19.xml><?xml version="1.0" encoding="utf-8"?>
+<p:tagLst xmlns:a="http://schemas.openxmlformats.org/drawingml/2006/main" xmlns:r="http://schemas.openxmlformats.org/officeDocument/2006/relationships" xmlns:p="http://schemas.openxmlformats.org/presentationml/2006/main">
+  <p:tag name="THINKCELLSHAPEDONOTDELETE" val="txR5gjRiIZ986KJgUXmwE6Q"/>
+</p:tagLst>
+</file>
+
 <file path=ppt/tags/tag2.xml><?xml version="1.0" encoding="utf-8"?>
 <p:tagLst xmlns:a="http://schemas.openxmlformats.org/drawingml/2006/main" xmlns:r="http://schemas.openxmlformats.org/officeDocument/2006/relationships" xmlns:p="http://schemas.openxmlformats.org/presentationml/2006/main">
   <p:tag name="THINKCELLSHAPEDONOTDELETE" val="thinkcellActiveDocDoNotDelete"/>
 </p:tagLst>
 </file>
 
-<file path=ppt/tags/tag2071.xml><?xml version="1.0" encoding="utf-8"?>
+<file path=ppt/tags/tag20.xml><?xml version="1.0" encoding="utf-8"?>
+<p:tagLst xmlns:a="http://schemas.openxmlformats.org/drawingml/2006/main" xmlns:r="http://schemas.openxmlformats.org/officeDocument/2006/relationships" xmlns:p="http://schemas.openxmlformats.org/presentationml/2006/main">
+  <p:tag name="THINKCELLSHAPEDONOTDELETE" val="t_pjPTFxbDWbizlJIPc1ScQ"/>
+</p:tagLst>
+</file>
+
+<file path=ppt/tags/tag21.xml><?xml version="1.0" encoding="utf-8"?>
+<p:tagLst xmlns:a="http://schemas.openxmlformats.org/drawingml/2006/main" xmlns:r="http://schemas.openxmlformats.org/officeDocument/2006/relationships" xmlns:p="http://schemas.openxmlformats.org/presentationml/2006/main">
+  <p:tag name="THINKCELLSHAPEDONOTDELETE" val="tJjb2TuFflekgBKyAE6AQ.g"/>
+</p:tagLst>
+</file>
+
+<file path=ppt/tags/tag22.xml><?xml version="1.0" encoding="utf-8"?>
+<p:tagLst xmlns:a="http://schemas.openxmlformats.org/drawingml/2006/main" xmlns:r="http://schemas.openxmlformats.org/officeDocument/2006/relationships" xmlns:p="http://schemas.openxmlformats.org/presentationml/2006/main">
+  <p:tag name="THINKCELLSHAPEDONOTDELETE" val="tRZY0zQPk9yLFdiE4lZ2XaQ"/>
+</p:tagLst>
+</file>
+
+<file path=ppt/tags/tag23.xml><?xml version="1.0" encoding="utf-8"?>
+<p:tagLst xmlns:a="http://schemas.openxmlformats.org/drawingml/2006/main" xmlns:r="http://schemas.openxmlformats.org/officeDocument/2006/relationships" xmlns:p="http://schemas.openxmlformats.org/presentationml/2006/main">
+  <p:tag name="THINKCELLSHAPEDONOTDELETE" val="t3RdOTZncORfOmbnrtrSJog"/>
+</p:tagLst>
+</file>
+
+<file path=ppt/tags/tag24.xml><?xml version="1.0" encoding="utf-8"?>
+<p:tagLst xmlns:a="http://schemas.openxmlformats.org/drawingml/2006/main" xmlns:r="http://schemas.openxmlformats.org/officeDocument/2006/relationships" xmlns:p="http://schemas.openxmlformats.org/presentationml/2006/main">
+  <p:tag name="THINKCELLSHAPEDONOTDELETE" val="tq3OqN1axU8vYLDEk3m5W1Q"/>
+</p:tagLst>
+</file>
+
+<file path=ppt/tags/tag25.xml><?xml version="1.0" encoding="utf-8"?>
+<p:tagLst xmlns:a="http://schemas.openxmlformats.org/drawingml/2006/main" xmlns:r="http://schemas.openxmlformats.org/officeDocument/2006/relationships" xmlns:p="http://schemas.openxmlformats.org/presentationml/2006/main">
+  <p:tag name="THINKCELLSHAPEDONOTDELETE" val="tm9HeeBF_8piyEjiQ26CBOQ"/>
+</p:tagLst>
+</file>
+
+<file path=ppt/tags/tag26.xml><?xml version="1.0" encoding="utf-8"?>
+<p:tagLst xmlns:a="http://schemas.openxmlformats.org/drawingml/2006/main" xmlns:r="http://schemas.openxmlformats.org/officeDocument/2006/relationships" xmlns:p="http://schemas.openxmlformats.org/presentationml/2006/main">
+  <p:tag name="THINKCELLSHAPEDONOTDELETE" val="tEIiDHRMKnGIbrCW52lzKwA"/>
+</p:tagLst>
+</file>
+
+<file path=ppt/tags/tag27.xml><?xml version="1.0" encoding="utf-8"?>
+<p:tagLst xmlns:a="http://schemas.openxmlformats.org/drawingml/2006/main" xmlns:r="http://schemas.openxmlformats.org/officeDocument/2006/relationships" xmlns:p="http://schemas.openxmlformats.org/presentationml/2006/main">
+  <p:tag name="THINKCELLSHAPEDONOTDELETE" val="t3UelATD.lrbnxCa5chTepg"/>
+</p:tagLst>
+</file>
+
+<file path=ppt/tags/tag28.xml><?xml version="1.0" encoding="utf-8"?>
+<p:tagLst xmlns:a="http://schemas.openxmlformats.org/drawingml/2006/main" xmlns:r="http://schemas.openxmlformats.org/officeDocument/2006/relationships" xmlns:p="http://schemas.openxmlformats.org/presentationml/2006/main">
+  <p:tag name="THINKCELLSHAPEDONOTDELETE" val="txlwqh.vIZU2Q8Qpp2Dbygg"/>
+</p:tagLst>
+</file>
+
+<file path=ppt/tags/tag29.xml><?xml version="1.0" encoding="utf-8"?>
+<p:tagLst xmlns:a="http://schemas.openxmlformats.org/drawingml/2006/main" xmlns:r="http://schemas.openxmlformats.org/officeDocument/2006/relationships" xmlns:p="http://schemas.openxmlformats.org/presentationml/2006/main">
+  <p:tag name="THINKCELLSHAPEDONOTDELETE" val="thCO.lZ0dSVZoEnLSTRuxUQ"/>
+</p:tagLst>
+</file>
+
+<file path=ppt/tags/tag3.xml><?xml version="1.0" encoding="utf-8"?>
 <p:tagLst xmlns:a="http://schemas.openxmlformats.org/drawingml/2006/main" xmlns:r="http://schemas.openxmlformats.org/officeDocument/2006/relationships" xmlns:p="http://schemas.openxmlformats.org/presentationml/2006/main">
   <p:tag name="THINKCELLSHAPEDONOTDELETE" val="thinkcellActiveDocDoNotDelete"/>
 </p:tagLst>
 </file>
 
-<file path=ppt/tags/tag2072.xml><?xml version="1.0" encoding="utf-8"?>
-<p:tagLst xmlns:a="http://schemas.openxmlformats.org/drawingml/2006/main" xmlns:r="http://schemas.openxmlformats.org/officeDocument/2006/relationships" xmlns:p="http://schemas.openxmlformats.org/presentationml/2006/main">
-  <p:tag name="THINKCELLSHAPEDONOTDELETE" val="t26HHkrE1YbMmBCrpyX659g"/>
-</p:tagLst>
-</file>
-
-<file path=ppt/tags/tag2073.xml><?xml version="1.0" encoding="utf-8"?>
-<p:tagLst xmlns:a="http://schemas.openxmlformats.org/drawingml/2006/main" xmlns:r="http://schemas.openxmlformats.org/officeDocument/2006/relationships" xmlns:p="http://schemas.openxmlformats.org/presentationml/2006/main">
-  <p:tag name="THINKCELLSHAPEDONOTDELETE" val="tw9S34rEXXi0ChWDAUuhfpw"/>
-</p:tagLst>
-</file>
-
-<file path=ppt/tags/tag2074.xml><?xml version="1.0" encoding="utf-8"?>
-<p:tagLst xmlns:a="http://schemas.openxmlformats.org/drawingml/2006/main" xmlns:r="http://schemas.openxmlformats.org/officeDocument/2006/relationships" xmlns:p="http://schemas.openxmlformats.org/presentationml/2006/main">
-  <p:tag name="THINKCELLSHAPEDONOTDELETE" val="t5ilstICiD70FiRgf0JkUaA"/>
-</p:tagLst>
-</file>
-
-<file path=ppt/tags/tag2075.xml><?xml version="1.0" encoding="utf-8"?>
-<p:tagLst xmlns:a="http://schemas.openxmlformats.org/drawingml/2006/main" xmlns:r="http://schemas.openxmlformats.org/officeDocument/2006/relationships" xmlns:p="http://schemas.openxmlformats.org/presentationml/2006/main">
-  <p:tag name="THINKCELLSHAPEDONOTDELETE" val="tIzAerpajypZx7rmZL7VswQ"/>
-</p:tagLst>
-</file>
-
-<file path=ppt/tags/tag2076.xml><?xml version="1.0" encoding="utf-8"?>
-<p:tagLst xmlns:a="http://schemas.openxmlformats.org/drawingml/2006/main" xmlns:r="http://schemas.openxmlformats.org/officeDocument/2006/relationships" xmlns:p="http://schemas.openxmlformats.org/presentationml/2006/main">
-  <p:tag name="THINKCELLSHAPEDONOTDELETE" val="tBYRQ.ojNfk5fss2d_Q63Eg"/>
-</p:tagLst>
-</file>
-
-<file path=ppt/tags/tag2077.xml><?xml version="1.0" encoding="utf-8"?>
-<p:tagLst xmlns:a="http://schemas.openxmlformats.org/drawingml/2006/main" xmlns:r="http://schemas.openxmlformats.org/officeDocument/2006/relationships" xmlns:p="http://schemas.openxmlformats.org/presentationml/2006/main">
-  <p:tag name="THINKCELLSHAPEDONOTDELETE" val="tlS3EQUYPuwaeHBdu3uHrOw"/>
-</p:tagLst>
-</file>
-
-<file path=ppt/tags/tag2078.xml><?xml version="1.0" encoding="utf-8"?>
-<p:tagLst xmlns:a="http://schemas.openxmlformats.org/drawingml/2006/main" xmlns:r="http://schemas.openxmlformats.org/officeDocument/2006/relationships" xmlns:p="http://schemas.openxmlformats.org/presentationml/2006/main">
-  <p:tag name="THINKCELLSHAPEDONOTDELETE" val="tiT3Hgxw4sYef1kuE48OIDQ"/>
-</p:tagLst>
-</file>
-
-<file path=ppt/tags/tag2079.xml><?xml version="1.0" encoding="utf-8"?>
-<p:tagLst xmlns:a="http://schemas.openxmlformats.org/drawingml/2006/main" xmlns:r="http://schemas.openxmlformats.org/officeDocument/2006/relationships" xmlns:p="http://schemas.openxmlformats.org/presentationml/2006/main">
-  <p:tag name="THINKCELLSHAPEDONOTDELETE" val="t0fayLo4OidFHvbSkpnMu4w"/>
-</p:tagLst>
-</file>
-
-<file path=ppt/tags/tag2080.xml><?xml version="1.0" encoding="utf-8"?>
-<p:tagLst xmlns:a="http://schemas.openxmlformats.org/drawingml/2006/main" xmlns:r="http://schemas.openxmlformats.org/officeDocument/2006/relationships" xmlns:p="http://schemas.openxmlformats.org/presentationml/2006/main">
-  <p:tag name="THINKCELLSHAPEDONOTDELETE" val="tuJZa5e22N1.lYgrEwt1VAg"/>
-</p:tagLst>
-</file>
-
-<file path=ppt/tags/tag2081.xml><?xml version="1.0" encoding="utf-8"?>
-<p:tagLst xmlns:a="http://schemas.openxmlformats.org/drawingml/2006/main" xmlns:r="http://schemas.openxmlformats.org/officeDocument/2006/relationships" xmlns:p="http://schemas.openxmlformats.org/presentationml/2006/main">
-  <p:tag name="THINKCELLSHAPEDONOTDELETE" val="tBs9rYb86FtumcFu9cqPF8A"/>
-</p:tagLst>
-</file>
-
-<file path=ppt/tags/tag2082.xml><?xml version="1.0" encoding="utf-8"?>
-<p:tagLst xmlns:a="http://schemas.openxmlformats.org/drawingml/2006/main" xmlns:r="http://schemas.openxmlformats.org/officeDocument/2006/relationships" xmlns:p="http://schemas.openxmlformats.org/presentationml/2006/main">
-  <p:tag name="THINKCELLSHAPEDONOTDELETE" val="teJ9Sx53K01v0M9P8mHjFPg"/>
-</p:tagLst>
-</file>
-
-<file path=ppt/tags/tag2083.xml><?xml version="1.0" encoding="utf-8"?>
-<p:tagLst xmlns:a="http://schemas.openxmlformats.org/drawingml/2006/main" xmlns:r="http://schemas.openxmlformats.org/officeDocument/2006/relationships" xmlns:p="http://schemas.openxmlformats.org/presentationml/2006/main">
-  <p:tag name="THINKCELLSHAPEDONOTDELETE" val="tYOCln7qjBVNRBTCa0bsbKw"/>
-</p:tagLst>
-</file>
-
-<file path=ppt/tags/tag2084.xml><?xml version="1.0" encoding="utf-8"?>
-<p:tagLst xmlns:a="http://schemas.openxmlformats.org/drawingml/2006/main" xmlns:r="http://schemas.openxmlformats.org/officeDocument/2006/relationships" xmlns:p="http://schemas.openxmlformats.org/presentationml/2006/main">
-  <p:tag name="THINKCELLSHAPEDONOTDELETE" val="tJBCucYXsxLNjJpGMv7JXRA"/>
-</p:tagLst>
-</file>
-
-<file path=ppt/tags/tag2085.xml><?xml version="1.0" encoding="utf-8"?>
-<p:tagLst xmlns:a="http://schemas.openxmlformats.org/drawingml/2006/main" xmlns:r="http://schemas.openxmlformats.org/officeDocument/2006/relationships" xmlns:p="http://schemas.openxmlformats.org/presentationml/2006/main">
-  <p:tag name="THINKCELLSHAPEDONOTDELETE" val="t7n8x1WkL9W1ghGa_m0taRQ"/>
-</p:tagLst>
-</file>
-
-<file path=ppt/tags/tag2086.xml><?xml version="1.0" encoding="utf-8"?>
-<p:tagLst xmlns:a="http://schemas.openxmlformats.org/drawingml/2006/main" xmlns:r="http://schemas.openxmlformats.org/officeDocument/2006/relationships" xmlns:p="http://schemas.openxmlformats.org/presentationml/2006/main">
-  <p:tag name="THINKCELLSHAPEDONOTDELETE" val="txR5gjRiIZ986KJgUXmwE6Q"/>
-</p:tagLst>
-</file>
-
-<file path=ppt/tags/tag2087.xml><?xml version="1.0" encoding="utf-8"?>
-<p:tagLst xmlns:a="http://schemas.openxmlformats.org/drawingml/2006/main" xmlns:r="http://schemas.openxmlformats.org/officeDocument/2006/relationships" xmlns:p="http://schemas.openxmlformats.org/presentationml/2006/main">
-  <p:tag name="THINKCELLSHAPEDONOTDELETE" val="t_pjPTFxbDWbizlJIPc1ScQ"/>
-</p:tagLst>
-</file>
-
-<file path=ppt/tags/tag2088.xml><?xml version="1.0" encoding="utf-8"?>
-<p:tagLst xmlns:a="http://schemas.openxmlformats.org/drawingml/2006/main" xmlns:r="http://schemas.openxmlformats.org/officeDocument/2006/relationships" xmlns:p="http://schemas.openxmlformats.org/presentationml/2006/main">
-  <p:tag name="THINKCELLSHAPEDONOTDELETE" val="tJjb2TuFflekgBKyAE6AQ.g"/>
-</p:tagLst>
-</file>
-
-<file path=ppt/tags/tag2089.xml><?xml version="1.0" encoding="utf-8"?>
-<p:tagLst xmlns:a="http://schemas.openxmlformats.org/drawingml/2006/main" xmlns:r="http://schemas.openxmlformats.org/officeDocument/2006/relationships" xmlns:p="http://schemas.openxmlformats.org/presentationml/2006/main">
-  <p:tag name="THINKCELLSHAPEDONOTDELETE" val="tRZY0zQPk9yLFdiE4lZ2XaQ"/>
-</p:tagLst>
-</file>
-
-<file path=ppt/tags/tag2090.xml><?xml version="1.0" encoding="utf-8"?>
-<p:tagLst xmlns:a="http://schemas.openxmlformats.org/drawingml/2006/main" xmlns:r="http://schemas.openxmlformats.org/officeDocument/2006/relationships" xmlns:p="http://schemas.openxmlformats.org/presentationml/2006/main">
-  <p:tag name="THINKCELLSHAPEDONOTDELETE" val="t3RdOTZncORfOmbnrtrSJog"/>
-</p:tagLst>
-</file>
-
-<file path=ppt/tags/tag2091.xml><?xml version="1.0" encoding="utf-8"?>
-<p:tagLst xmlns:a="http://schemas.openxmlformats.org/drawingml/2006/main" xmlns:r="http://schemas.openxmlformats.org/officeDocument/2006/relationships" xmlns:p="http://schemas.openxmlformats.org/presentationml/2006/main">
-  <p:tag name="THINKCELLSHAPEDONOTDELETE" val="tq3OqN1axU8vYLDEk3m5W1Q"/>
-</p:tagLst>
-</file>
-
-<file path=ppt/tags/tag2092.xml><?xml version="1.0" encoding="utf-8"?>
-<p:tagLst xmlns:a="http://schemas.openxmlformats.org/drawingml/2006/main" xmlns:r="http://schemas.openxmlformats.org/officeDocument/2006/relationships" xmlns:p="http://schemas.openxmlformats.org/presentationml/2006/main">
-  <p:tag name="THINKCELLSHAPEDONOTDELETE" val="tm9HeeBF_8piyEjiQ26CBOQ"/>
-</p:tagLst>
-</file>
-
-<file path=ppt/tags/tag2093.xml><?xml version="1.0" encoding="utf-8"?>
-<p:tagLst xmlns:a="http://schemas.openxmlformats.org/drawingml/2006/main" xmlns:r="http://schemas.openxmlformats.org/officeDocument/2006/relationships" xmlns:p="http://schemas.openxmlformats.org/presentationml/2006/main">
-  <p:tag name="THINKCELLSHAPEDONOTDELETE" val="tEIiDHRMKnGIbrCW52lzKwA"/>
-</p:tagLst>
-</file>
-
-<file path=ppt/tags/tag2094.xml><?xml version="1.0" encoding="utf-8"?>
-<p:tagLst xmlns:a="http://schemas.openxmlformats.org/drawingml/2006/main" xmlns:r="http://schemas.openxmlformats.org/officeDocument/2006/relationships" xmlns:p="http://schemas.openxmlformats.org/presentationml/2006/main">
-  <p:tag name="THINKCELLSHAPEDONOTDELETE" val="t3UelATD.lrbnxCa5chTepg"/>
-</p:tagLst>
-</file>
-
-<file path=ppt/tags/tag2095.xml><?xml version="1.0" encoding="utf-8"?>
-<p:tagLst xmlns:a="http://schemas.openxmlformats.org/drawingml/2006/main" xmlns:r="http://schemas.openxmlformats.org/officeDocument/2006/relationships" xmlns:p="http://schemas.openxmlformats.org/presentationml/2006/main">
-  <p:tag name="THINKCELLSHAPEDONOTDELETE" val="txlwqh.vIZU2Q8Qpp2Dbygg"/>
-</p:tagLst>
-</file>
-
-<file path=ppt/tags/tag2096.xml><?xml version="1.0" encoding="utf-8"?>
-<p:tagLst xmlns:a="http://schemas.openxmlformats.org/drawingml/2006/main" xmlns:r="http://schemas.openxmlformats.org/officeDocument/2006/relationships" xmlns:p="http://schemas.openxmlformats.org/presentationml/2006/main">
-  <p:tag name="THINKCELLSHAPEDONOTDELETE" val="thCO.lZ0dSVZoEnLSTRuxUQ"/>
-</p:tagLst>
-</file>
-
-<file path=ppt/tags/tag2097.xml><?xml version="1.0" encoding="utf-8"?>
+<file path=ppt/tags/tag30.xml><?xml version="1.0" encoding="utf-8"?>
 <p:tagLst xmlns:a="http://schemas.openxmlformats.org/drawingml/2006/main" xmlns:r="http://schemas.openxmlformats.org/officeDocument/2006/relationships" xmlns:p="http://schemas.openxmlformats.org/presentationml/2006/main">
   <p:tag name="THINKCELLSHAPEDONOTDELETE" val="tWDqIaQ_ZfXk4n1JfcKNivA"/>
 </p:tagLst>
 </file>
 
-<file path=ppt/tags/tag2098.xml><?xml version="1.0" encoding="utf-8"?>
+<file path=ppt/tags/tag31.xml><?xml version="1.0" encoding="utf-8"?>
 <p:tagLst xmlns:a="http://schemas.openxmlformats.org/drawingml/2006/main" xmlns:r="http://schemas.openxmlformats.org/officeDocument/2006/relationships" xmlns:p="http://schemas.openxmlformats.org/presentationml/2006/main">
   <p:tag name="THINKCELLSHAPEDONOTDELETE" val="tgEGp3XEGCuBHATyGRRoyZw"/>
 </p:tagLst>
 </file>
 
-<file path=ppt/tags/tag2099.xml><?xml version="1.0" encoding="utf-8"?>
+<file path=ppt/tags/tag32.xml><?xml version="1.0" encoding="utf-8"?>
 <p:tagLst xmlns:a="http://schemas.openxmlformats.org/drawingml/2006/main" xmlns:r="http://schemas.openxmlformats.org/officeDocument/2006/relationships" xmlns:p="http://schemas.openxmlformats.org/presentationml/2006/main">
   <p:tag name="THINKCELLSHAPEDONOTDELETE" val="tkEN8t9hv3p3pIS7YNpJNfA"/>
 </p:tagLst>
 </file>
 
-<file path=ppt/tags/tag2100.xml><?xml version="1.0" encoding="utf-8"?>
+<file path=ppt/tags/tag33.xml><?xml version="1.0" encoding="utf-8"?>
 <p:tagLst xmlns:a="http://schemas.openxmlformats.org/drawingml/2006/main" xmlns:r="http://schemas.openxmlformats.org/officeDocument/2006/relationships" xmlns:p="http://schemas.openxmlformats.org/presentationml/2006/main">
   <p:tag name="THINKCELLSHAPEDONOTDELETE" val="tiXCR1U4lo2pBG856xHbp2g"/>
 </p:tagLst>
@@ -10468,6 +10037,36 @@
 <file path=ppt/tags/tag4.xml><?xml version="1.0" encoding="utf-8"?>
 <p:tagLst xmlns:a="http://schemas.openxmlformats.org/drawingml/2006/main" xmlns:r="http://schemas.openxmlformats.org/officeDocument/2006/relationships" xmlns:p="http://schemas.openxmlformats.org/presentationml/2006/main">
   <p:tag name="THINKCELLSHAPEDONOTDELETE" val="thinkcellActiveDocDoNotDelete"/>
+</p:tagLst>
+</file>
+
+<file path=ppt/tags/tag5.xml><?xml version="1.0" encoding="utf-8"?>
+<p:tagLst xmlns:a="http://schemas.openxmlformats.org/drawingml/2006/main" xmlns:r="http://schemas.openxmlformats.org/officeDocument/2006/relationships" xmlns:p="http://schemas.openxmlformats.org/presentationml/2006/main">
+  <p:tag name="THINKCELLSHAPEDONOTDELETE" val="t26HHkrE1YbMmBCrpyX659g"/>
+</p:tagLst>
+</file>
+
+<file path=ppt/tags/tag6.xml><?xml version="1.0" encoding="utf-8"?>
+<p:tagLst xmlns:a="http://schemas.openxmlformats.org/drawingml/2006/main" xmlns:r="http://schemas.openxmlformats.org/officeDocument/2006/relationships" xmlns:p="http://schemas.openxmlformats.org/presentationml/2006/main">
+  <p:tag name="THINKCELLSHAPEDONOTDELETE" val="tw9S34rEXXi0ChWDAUuhfpw"/>
+</p:tagLst>
+</file>
+
+<file path=ppt/tags/tag7.xml><?xml version="1.0" encoding="utf-8"?>
+<p:tagLst xmlns:a="http://schemas.openxmlformats.org/drawingml/2006/main" xmlns:r="http://schemas.openxmlformats.org/officeDocument/2006/relationships" xmlns:p="http://schemas.openxmlformats.org/presentationml/2006/main">
+  <p:tag name="THINKCELLSHAPEDONOTDELETE" val="t5ilstICiD70FiRgf0JkUaA"/>
+</p:tagLst>
+</file>
+
+<file path=ppt/tags/tag8.xml><?xml version="1.0" encoding="utf-8"?>
+<p:tagLst xmlns:a="http://schemas.openxmlformats.org/drawingml/2006/main" xmlns:r="http://schemas.openxmlformats.org/officeDocument/2006/relationships" xmlns:p="http://schemas.openxmlformats.org/presentationml/2006/main">
+  <p:tag name="THINKCELLSHAPEDONOTDELETE" val="tIzAerpajypZx7rmZL7VswQ"/>
+</p:tagLst>
+</file>
+
+<file path=ppt/tags/tag9.xml><?xml version="1.0" encoding="utf-8"?>
+<p:tagLst xmlns:a="http://schemas.openxmlformats.org/drawingml/2006/main" xmlns:r="http://schemas.openxmlformats.org/officeDocument/2006/relationships" xmlns:p="http://schemas.openxmlformats.org/presentationml/2006/main">
+  <p:tag name="THINKCELLSHAPEDONOTDELETE" val="tBYRQ.ojNfk5fss2d_Q63Eg"/>
 </p:tagLst>
 </file>
 
@@ -11377,17 +10976,6 @@
 </file>
 
 <file path=customXml/item1.xml><?xml version="1.0" encoding="utf-8"?>
-<p:properties xmlns:p="http://schemas.microsoft.com/office/2006/metadata/properties" xmlns:xsi="http://www.w3.org/2001/XMLSchema-instance" xmlns:pc="http://schemas.microsoft.com/office/infopath/2007/PartnerControls">
-  <documentManagement>
-    <lcf76f155ced4ddcb4097134ff3c332f xmlns="6dd700bd-da09-4649-9444-0dda6d878ea0">
-      <Terms xmlns="http://schemas.microsoft.com/office/infopath/2007/PartnerControls"/>
-    </lcf76f155ced4ddcb4097134ff3c332f>
-    <TaxCatchAll xmlns="864686ff-c528-4121-8c14-dfe2dfe54fd3" xsi:nil="true"/>
-  </documentManagement>
-</p:properties>
-</file>
-
-<file path=customXml/item2.xml><?xml version="1.0" encoding="utf-8"?>
 <ct:contentTypeSchema xmlns:ct="http://schemas.microsoft.com/office/2006/metadata/contentType" xmlns:ma="http://schemas.microsoft.com/office/2006/metadata/properties/metaAttributes" ct:_="" ma:_="" ma:contentTypeName="Document" ma:contentTypeID="0x01010044EBA828D669A945A665683A6A0700C6" ma:contentTypeVersion="16" ma:contentTypeDescription="Create a new document." ma:contentTypeScope="" ma:versionID="3689712686b1536c59bae695a2aec147">
   <xsd:schema xmlns:xsd="http://www.w3.org/2001/XMLSchema" xmlns:xs="http://www.w3.org/2001/XMLSchema" xmlns:p="http://schemas.microsoft.com/office/2006/metadata/properties" xmlns:ns2="6dd700bd-da09-4649-9444-0dda6d878ea0" xmlns:ns3="864686ff-c528-4121-8c14-dfe2dfe54fd3" targetNamespace="http://schemas.microsoft.com/office/2006/metadata/properties" ma:root="true" ma:fieldsID="b09bedee47c1608be4bb72120d99801d" ns2:_="" ns3:_="">
     <xsd:import namespace="6dd700bd-da09-4649-9444-0dda6d878ea0"/>
@@ -11622,24 +11210,18 @@
 </ct:contentTypeSchema>
 </file>
 
-<file path=customXml/itemProps1.xml><?xml version="1.0" encoding="utf-8"?>
-<ds:datastoreItem xmlns:ds="http://schemas.openxmlformats.org/officeDocument/2006/customXml" ds:itemID="{D3B317A9-6803-48C9-9473-817C969622FE}">
-  <ds:schemaRefs>
-    <ds:schemaRef ds:uri="http://schemas.microsoft.com/office/2006/documentManagement/types"/>
-    <ds:schemaRef ds:uri="http://purl.org/dc/elements/1.1/"/>
-    <ds:schemaRef ds:uri="http://purl.org/dc/dcmitype/"/>
-    <ds:schemaRef ds:uri="6dd700bd-da09-4649-9444-0dda6d878ea0"/>
-    <ds:schemaRef ds:uri="http://www.w3.org/XML/1998/namespace"/>
-    <ds:schemaRef ds:uri="http://purl.org/dc/terms/"/>
-    <ds:schemaRef ds:uri="http://schemas.microsoft.com/office/2006/metadata/properties"/>
-    <ds:schemaRef ds:uri="http://schemas.microsoft.com/office/infopath/2007/PartnerControls"/>
-    <ds:schemaRef ds:uri="http://schemas.openxmlformats.org/package/2006/metadata/core-properties"/>
-    <ds:schemaRef ds:uri="864686ff-c528-4121-8c14-dfe2dfe54fd3"/>
-  </ds:schemaRefs>
-</ds:datastoreItem>
+<file path=customXml/item2.xml><?xml version="1.0" encoding="utf-8"?>
+<p:properties xmlns:p="http://schemas.microsoft.com/office/2006/metadata/properties" xmlns:xsi="http://www.w3.org/2001/XMLSchema-instance" xmlns:pc="http://schemas.microsoft.com/office/infopath/2007/PartnerControls">
+  <documentManagement>
+    <lcf76f155ced4ddcb4097134ff3c332f xmlns="6dd700bd-da09-4649-9444-0dda6d878ea0">
+      <Terms xmlns="http://schemas.microsoft.com/office/infopath/2007/PartnerControls"/>
+    </lcf76f155ced4ddcb4097134ff3c332f>
+    <TaxCatchAll xmlns="864686ff-c528-4121-8c14-dfe2dfe54fd3" xsi:nil="true"/>
+  </documentManagement>
+</p:properties>
 </file>
 
-<file path=customXml/itemProps2.xml><?xml version="1.0" encoding="utf-8"?>
+<file path=customXml/itemProps1.xml><?xml version="1.0" encoding="utf-8"?>
 <ds:datastoreItem xmlns:ds="http://schemas.openxmlformats.org/officeDocument/2006/customXml" ds:itemID="{343A29A7-6CC8-4547-B6F1-D3AFCBF90A13}">
   <ds:schemaRefs>
     <ds:schemaRef ds:uri="6dd700bd-da09-4649-9444-0dda6d878ea0"/>
@@ -11656,4 +11238,21 @@
     <ds:schemaRef ds:uri="http://www.w3.org/2001/XMLSchema"/>
   </ds:schemaRefs>
 </ds:datastoreItem>
+</file>
+
+<file path=customXml/itemProps2.xml><?xml version="1.0" encoding="utf-8"?>
+<ds:datastoreItem xmlns:ds="http://schemas.openxmlformats.org/officeDocument/2006/customXml" ds:itemID="{D3B317A9-6803-48C9-9473-817C969622FE}">
+  <ds:schemaRefs>
+    <ds:schemaRef ds:uri="http://schemas.microsoft.com/office/2006/documentManagement/types"/>
+    <ds:schemaRef ds:uri="http://purl.org/dc/elements/1.1/"/>
+    <ds:schemaRef ds:uri="http://purl.org/dc/dcmitype/"/>
+    <ds:schemaRef ds:uri="6dd700bd-da09-4649-9444-0dda6d878ea0"/>
+    <ds:schemaRef ds:uri="http://www.w3.org/XML/1998/namespace"/>
+    <ds:schemaRef ds:uri="http://purl.org/dc/terms/"/>
+    <ds:schemaRef ds:uri="http://schemas.microsoft.com/office/2006/metadata/properties"/>
+    <ds:schemaRef ds:uri="http://schemas.microsoft.com/office/infopath/2007/PartnerControls"/>
+    <ds:schemaRef ds:uri="http://schemas.openxmlformats.org/package/2006/metadata/core-properties"/>
+    <ds:schemaRef ds:uri="864686ff-c528-4121-8c14-dfe2dfe54fd3"/>
+  </ds:schemaRefs>
+</ds:datastoreItem>
 </file>